--- a/CS3210/pptx/CS3210-TL7 (Tut 4).pptx
+++ b/CS3210/pptx/CS3210-TL7 (Tut 4).pptx
@@ -16560,7 +16560,37 @@
                   <a:srgbClr val="0B5394"/>
                 </a:solidFill>
               </a:rPr>
-              <a:t>Why is Merge Sort not preferred (compared to Bitonic Sort) for parallel implementations?</a:t>
+              <a:t>Why is Merge Sort not preferred </a:t>
+            </a:r>
+            <a:br>
+              <a:rPr lang="en">
+                <a:solidFill>
+                  <a:srgbClr val="0B5394"/>
+                </a:solidFill>
+              </a:rPr>
+            </a:br>
+            <a:r>
+              <a:rPr lang="en">
+                <a:solidFill>
+                  <a:srgbClr val="0B5394"/>
+                </a:solidFill>
+              </a:rPr>
+              <a:t>(compared to Bitonic Sort) for </a:t>
+            </a:r>
+            <a:br>
+              <a:rPr lang="en">
+                <a:solidFill>
+                  <a:srgbClr val="0B5394"/>
+                </a:solidFill>
+              </a:rPr>
+            </a:br>
+            <a:r>
+              <a:rPr lang="en">
+                <a:solidFill>
+                  <a:srgbClr val="0B5394"/>
+                </a:solidFill>
+              </a:rPr>
+              <a:t>parallel implementations?</a:t>
             </a:r>
             <a:endParaRPr>
               <a:solidFill>
@@ -16570,6 +16600,36 @@
           </a:p>
         </p:txBody>
       </p:sp>
+      <p:pic>
+        <p:nvPicPr>
+          <p:cNvPr id="3" name="Picture 2">
+            <a:extLst>
+              <a:ext uri="{FF2B5EF4-FFF2-40B4-BE49-F238E27FC236}">
+                <a16:creationId xmlns:a16="http://schemas.microsoft.com/office/drawing/2014/main" id="{E77A66F3-3472-BFC9-CA9B-C71A6FDC04C4}"/>
+              </a:ext>
+            </a:extLst>
+          </p:cNvPr>
+          <p:cNvPicPr>
+            <a:picLocks noChangeAspect="1"/>
+          </p:cNvPicPr>
+          <p:nvPr/>
+        </p:nvPicPr>
+        <p:blipFill>
+          <a:blip r:embed="rId3"/>
+          <a:stretch>
+            <a:fillRect/>
+          </a:stretch>
+        </p:blipFill>
+        <p:spPr>
+          <a:xfrm>
+            <a:off x="4918341" y="1266325"/>
+            <a:ext cx="3913960" cy="3432150"/>
+          </a:xfrm>
+          <a:prstGeom prst="rect">
+            <a:avLst/>
+          </a:prstGeom>
+        </p:spPr>
+      </p:pic>
     </p:spTree>
   </p:cSld>
   <p:clrMapOvr>

--- a/CS3210/pptx/CS3210-TL7 (Tut 4).pptx
+++ b/CS3210/pptx/CS3210-TL7 (Tut 4).pptx
@@ -11427,6 +11427,42 @@
           </a:p>
         </p:txBody>
       </p:sp>
+      <p:sp>
+        <p:nvSpPr>
+          <p:cNvPr id="2" name="TextBox 1">
+            <a:extLst>
+              <a:ext uri="{FF2B5EF4-FFF2-40B4-BE49-F238E27FC236}">
+                <a16:creationId xmlns:a16="http://schemas.microsoft.com/office/drawing/2014/main" id="{524A3E56-DA26-E2AF-D167-CB9F3737B887}"/>
+              </a:ext>
+            </a:extLst>
+          </p:cNvPr>
+          <p:cNvSpPr txBox="1"/>
+          <p:nvPr/>
+        </p:nvSpPr>
+        <p:spPr>
+          <a:xfrm>
+            <a:off x="2477530" y="401595"/>
+            <a:ext cx="4529720" cy="523220"/>
+          </a:xfrm>
+          <a:prstGeom prst="rect">
+            <a:avLst/>
+          </a:prstGeom>
+          <a:noFill/>
+        </p:spPr>
+        <p:txBody>
+          <a:bodyPr wrap="square" rtlCol="0">
+            <a:spAutoFit/>
+          </a:bodyPr>
+          <a:lstStyle/>
+          <a:p>
+            <a:pPr algn="ctr"/>
+            <a:r>
+              <a:rPr lang="en-SG"/>
+              <a:t>will start at :05 as usual, read on Bitonic Sort first (check telegram group)</a:t>
+            </a:r>
+          </a:p>
+        </p:txBody>
+      </p:sp>
     </p:spTree>
   </p:cSld>
   <p:clrMapOvr>
